--- a/Your system is an animal.pptx
+++ b/Your system is an animal.pptx
@@ -9,6 +9,7 @@
     <p:sldId id="257" r:id="rId3"/>
     <p:sldId id="258" r:id="rId4"/>
     <p:sldId id="259" r:id="rId5"/>
+    <p:sldId id="260" r:id="rId6"/>
   </p:sldIdLst>
   <p:sldSz cx="12192000" cy="6858000"/>
   <p:notesSz cx="6858000" cy="9144000"/>
@@ -107,6 +108,11 @@
       </a:defRPr>
     </a:lvl9pPr>
   </p:defaultTextStyle>
+  <p:extLst>
+    <p:ext uri="{EFAFB233-063F-42B5-8137-9DF3F51BA10A}">
+      <p15:sldGuideLst xmlns:p15="http://schemas.microsoft.com/office/powerpoint/2012/main"/>
+    </p:ext>
+  </p:extLst>
 </p:presentation>
 </file>
 
@@ -7321,6 +7327,905 @@
     <p:extLst>
       <p:ext uri="{BB962C8B-B14F-4D97-AF65-F5344CB8AC3E}">
         <p14:creationId xmlns:p14="http://schemas.microsoft.com/office/powerpoint/2010/main" val="857048930"/>
+      </p:ext>
+    </p:extLst>
+  </p:cSld>
+  <p:clrMapOvr>
+    <a:masterClrMapping/>
+  </p:clrMapOvr>
+</p:sld>
+</file>
+
+<file path=ppt/slides/slide5.xml><?xml version="1.0" encoding="utf-8"?>
+<p:sld xmlns:a="http://schemas.openxmlformats.org/drawingml/2006/main" xmlns:r="http://schemas.openxmlformats.org/officeDocument/2006/relationships" xmlns:p="http://schemas.openxmlformats.org/presentationml/2006/main">
+  <p:cSld>
+    <p:bg>
+      <p:bgPr>
+        <a:solidFill>
+          <a:schemeClr val="bg1"/>
+        </a:solidFill>
+        <a:effectLst/>
+      </p:bgPr>
+    </p:bg>
+    <p:spTree>
+      <p:nvGrpSpPr>
+        <p:cNvPr id="1" name=""/>
+        <p:cNvGrpSpPr/>
+        <p:nvPr/>
+      </p:nvGrpSpPr>
+      <p:grpSpPr>
+        <a:xfrm>
+          <a:off x="0" y="0"/>
+          <a:ext cx="0" cy="0"/>
+          <a:chOff x="0" y="0"/>
+          <a:chExt cx="0" cy="0"/>
+        </a:xfrm>
+      </p:grpSpPr>
+      <p:sp>
+        <p:nvSpPr>
+          <p:cNvPr id="12" name="Rectangle 11">
+            <a:extLst>
+              <a:ext uri="{FF2B5EF4-FFF2-40B4-BE49-F238E27FC236}">
+                <a16:creationId xmlns:a16="http://schemas.microsoft.com/office/drawing/2014/main" id="{8FBA68A5-A7C7-4D91-AB95-6E0B6FFD8743}"/>
+              </a:ext>
+              <a:ext uri="{C183D7F6-B498-43B3-948B-1728B52AA6E4}">
+                <adec:decorative xmlns:adec="http://schemas.microsoft.com/office/drawing/2017/decorative" val="1"/>
+              </a:ext>
+            </a:extLst>
+          </p:cNvPr>
+          <p:cNvSpPr>
+            <a:spLocks noGrp="1" noRot="1" noChangeAspect="1" noMove="1" noResize="1" noEditPoints="1" noAdjustHandles="1" noChangeArrowheads="1" noChangeShapeType="1" noTextEdit="1"/>
+          </p:cNvSpPr>
+          <p:nvPr>
+            <p:extLst>
+              <p:ext uri="{386F3935-93C4-4BCD-93E2-E3B085C9AB24}">
+                <p16:designElem xmlns:p16="http://schemas.microsoft.com/office/powerpoint/2015/main" val="1"/>
+              </p:ext>
+            </p:extLst>
+          </p:nvPr>
+        </p:nvSpPr>
+        <p:spPr>
+          <a:xfrm>
+            <a:off x="0" y="0"/>
+            <a:ext cx="12192000" cy="6858000"/>
+          </a:xfrm>
+          <a:prstGeom prst="rect">
+            <a:avLst/>
+          </a:prstGeom>
+          <a:solidFill>
+            <a:schemeClr val="accent1">
+              <a:alpha val="5000"/>
+            </a:schemeClr>
+          </a:solidFill>
+          <a:ln>
+            <a:noFill/>
+          </a:ln>
+        </p:spPr>
+        <p:style>
+          <a:lnRef idx="2">
+            <a:schemeClr val="accent1">
+              <a:shade val="50000"/>
+            </a:schemeClr>
+          </a:lnRef>
+          <a:fillRef idx="1">
+            <a:schemeClr val="accent1"/>
+          </a:fillRef>
+          <a:effectRef idx="0">
+            <a:schemeClr val="accent1"/>
+          </a:effectRef>
+          <a:fontRef idx="minor">
+            <a:schemeClr val="lt1"/>
+          </a:fontRef>
+        </p:style>
+        <p:txBody>
+          <a:bodyPr rtlCol="0" anchor="ctr"/>
+          <a:lstStyle/>
+          <a:p>
+            <a:pPr algn="ctr"/>
+            <a:endParaRPr lang="en-US"/>
+          </a:p>
+        </p:txBody>
+      </p:sp>
+      <p:sp>
+        <p:nvSpPr>
+          <p:cNvPr id="14" name="Rectangle 13">
+            <a:extLst>
+              <a:ext uri="{FF2B5EF4-FFF2-40B4-BE49-F238E27FC236}">
+                <a16:creationId xmlns:a16="http://schemas.microsoft.com/office/drawing/2014/main" id="{DA4051E3-92B2-42FC-BB3D-372E4A614439}"/>
+              </a:ext>
+              <a:ext uri="{C183D7F6-B498-43B3-948B-1728B52AA6E4}">
+                <adec:decorative xmlns:adec="http://schemas.microsoft.com/office/drawing/2017/decorative" val="1"/>
+              </a:ext>
+            </a:extLst>
+          </p:cNvPr>
+          <p:cNvSpPr>
+            <a:spLocks noGrp="1" noRot="1" noChangeAspect="1" noMove="1" noResize="1" noEditPoints="1" noAdjustHandles="1" noChangeArrowheads="1" noChangeShapeType="1" noTextEdit="1"/>
+          </p:cNvSpPr>
+          <p:nvPr>
+            <p:extLst>
+              <p:ext uri="{386F3935-93C4-4BCD-93E2-E3B085C9AB24}">
+                <p16:designElem xmlns:p16="http://schemas.microsoft.com/office/powerpoint/2015/main" val="1"/>
+              </p:ext>
+            </p:extLst>
+          </p:nvPr>
+        </p:nvSpPr>
+        <p:spPr>
+          <a:xfrm>
+            <a:off x="367744" y="334928"/>
+            <a:ext cx="11456511" cy="6188146"/>
+          </a:xfrm>
+          <a:prstGeom prst="rect">
+            <a:avLst/>
+          </a:prstGeom>
+          <a:noFill/>
+          <a:ln>
+            <a:solidFill>
+              <a:schemeClr val="accent1"/>
+            </a:solidFill>
+          </a:ln>
+        </p:spPr>
+        <p:style>
+          <a:lnRef idx="2">
+            <a:schemeClr val="accent1">
+              <a:shade val="50000"/>
+            </a:schemeClr>
+          </a:lnRef>
+          <a:fillRef idx="1">
+            <a:schemeClr val="accent1"/>
+          </a:fillRef>
+          <a:effectRef idx="0">
+            <a:schemeClr val="accent1"/>
+          </a:effectRef>
+          <a:fontRef idx="minor">
+            <a:schemeClr val="lt1"/>
+          </a:fontRef>
+        </p:style>
+        <p:txBody>
+          <a:bodyPr rtlCol="0" anchor="ctr"/>
+          <a:lstStyle/>
+          <a:p>
+            <a:pPr algn="ctr"/>
+            <a:endParaRPr lang="en-US"/>
+          </a:p>
+        </p:txBody>
+      </p:sp>
+      <p:cxnSp>
+        <p:nvCxnSpPr>
+          <p:cNvPr id="16" name="Straight Connector 15">
+            <a:extLst>
+              <a:ext uri="{FF2B5EF4-FFF2-40B4-BE49-F238E27FC236}">
+                <a16:creationId xmlns:a16="http://schemas.microsoft.com/office/drawing/2014/main" id="{3C425084-C97A-4C25-AE47-DDECF2DD3ABC}"/>
+              </a:ext>
+              <a:ext uri="{C183D7F6-B498-43B3-948B-1728B52AA6E4}">
+                <adec:decorative xmlns:adec="http://schemas.microsoft.com/office/drawing/2017/decorative" val="1"/>
+              </a:ext>
+            </a:extLst>
+          </p:cNvPr>
+          <p:cNvCxnSpPr>
+            <a:cxnSpLocks noGrp="1" noRot="1" noChangeAspect="1" noMove="1" noResize="1" noEditPoints="1" noAdjustHandles="1" noChangeArrowheads="1" noChangeShapeType="1"/>
+          </p:cNvCxnSpPr>
+          <p:nvPr>
+            <p:extLst>
+              <p:ext uri="{386F3935-93C4-4BCD-93E2-E3B085C9AB24}">
+                <p16:designElem xmlns:p16="http://schemas.microsoft.com/office/powerpoint/2015/main" val="1"/>
+              </p:ext>
+            </p:extLst>
+          </p:nvPr>
+        </p:nvCxnSpPr>
+        <p:spPr>
+          <a:xfrm>
+            <a:off x="10748698" y="334928"/>
+            <a:ext cx="0" cy="6188146"/>
+          </a:xfrm>
+          <a:prstGeom prst="line">
+            <a:avLst/>
+          </a:prstGeom>
+          <a:ln w="12700">
+            <a:solidFill>
+              <a:schemeClr val="accent1"/>
+            </a:solidFill>
+          </a:ln>
+        </p:spPr>
+        <p:style>
+          <a:lnRef idx="1">
+            <a:schemeClr val="accent1"/>
+          </a:lnRef>
+          <a:fillRef idx="0">
+            <a:schemeClr val="accent1"/>
+          </a:fillRef>
+          <a:effectRef idx="0">
+            <a:schemeClr val="accent1"/>
+          </a:effectRef>
+          <a:fontRef idx="minor">
+            <a:schemeClr val="tx1"/>
+          </a:fontRef>
+        </p:style>
+      </p:cxnSp>
+      <p:cxnSp>
+        <p:nvCxnSpPr>
+          <p:cNvPr id="18" name="Straight Connector 17">
+            <a:extLst>
+              <a:ext uri="{FF2B5EF4-FFF2-40B4-BE49-F238E27FC236}">
+                <a16:creationId xmlns:a16="http://schemas.microsoft.com/office/drawing/2014/main" id="{96A478A1-0B34-4F2B-88FA-CF47551E5DF9}"/>
+              </a:ext>
+              <a:ext uri="{C183D7F6-B498-43B3-948B-1728B52AA6E4}">
+                <adec:decorative xmlns:adec="http://schemas.microsoft.com/office/drawing/2017/decorative" val="1"/>
+              </a:ext>
+            </a:extLst>
+          </p:cNvPr>
+          <p:cNvCxnSpPr>
+            <a:cxnSpLocks noGrp="1" noRot="1" noChangeAspect="1" noMove="1" noResize="1" noEditPoints="1" noAdjustHandles="1" noChangeArrowheads="1" noChangeShapeType="1"/>
+          </p:cNvCxnSpPr>
+          <p:nvPr>
+            <p:extLst>
+              <p:ext uri="{386F3935-93C4-4BCD-93E2-E3B085C9AB24}">
+                <p16:designElem xmlns:p16="http://schemas.microsoft.com/office/powerpoint/2015/main" val="1"/>
+              </p:ext>
+            </p:extLst>
+          </p:nvPr>
+        </p:nvCxnSpPr>
+        <p:spPr>
+          <a:xfrm>
+            <a:off x="373060" y="6047437"/>
+            <a:ext cx="10375638" cy="0"/>
+          </a:xfrm>
+          <a:prstGeom prst="line">
+            <a:avLst/>
+          </a:prstGeom>
+          <a:ln w="12700">
+            <a:solidFill>
+              <a:schemeClr val="accent1"/>
+            </a:solidFill>
+          </a:ln>
+        </p:spPr>
+        <p:style>
+          <a:lnRef idx="1">
+            <a:schemeClr val="accent1"/>
+          </a:lnRef>
+          <a:fillRef idx="0">
+            <a:schemeClr val="accent1"/>
+          </a:fillRef>
+          <a:effectRef idx="0">
+            <a:schemeClr val="accent1"/>
+          </a:effectRef>
+          <a:fontRef idx="minor">
+            <a:schemeClr val="tx1"/>
+          </a:fontRef>
+        </p:style>
+      </p:cxnSp>
+      <p:cxnSp>
+        <p:nvCxnSpPr>
+          <p:cNvPr id="20" name="Straight Connector 19">
+            <a:extLst>
+              <a:ext uri="{FF2B5EF4-FFF2-40B4-BE49-F238E27FC236}">
+                <a16:creationId xmlns:a16="http://schemas.microsoft.com/office/drawing/2014/main" id="{0A09E39A-DA3F-4BDC-A89A-6545C1DD3721}"/>
+              </a:ext>
+              <a:ext uri="{C183D7F6-B498-43B3-948B-1728B52AA6E4}">
+                <adec:decorative xmlns:adec="http://schemas.microsoft.com/office/drawing/2017/decorative" val="1"/>
+              </a:ext>
+            </a:extLst>
+          </p:cNvPr>
+          <p:cNvCxnSpPr>
+            <a:cxnSpLocks noGrp="1" noRot="1" noChangeAspect="1" noMove="1" noResize="1" noEditPoints="1" noAdjustHandles="1" noChangeArrowheads="1" noChangeShapeType="1"/>
+          </p:cNvCxnSpPr>
+          <p:nvPr>
+            <p:extLst>
+              <p:ext uri="{386F3935-93C4-4BCD-93E2-E3B085C9AB24}">
+                <p16:designElem xmlns:p16="http://schemas.microsoft.com/office/powerpoint/2015/main" val="1"/>
+              </p:ext>
+            </p:extLst>
+          </p:nvPr>
+        </p:nvCxnSpPr>
+        <p:spPr>
+          <a:xfrm>
+            <a:off x="360154" y="4602664"/>
+            <a:ext cx="10375638" cy="0"/>
+          </a:xfrm>
+          <a:prstGeom prst="line">
+            <a:avLst/>
+          </a:prstGeom>
+          <a:ln w="12700">
+            <a:solidFill>
+              <a:schemeClr val="accent1"/>
+            </a:solidFill>
+          </a:ln>
+        </p:spPr>
+        <p:style>
+          <a:lnRef idx="1">
+            <a:schemeClr val="accent1"/>
+          </a:lnRef>
+          <a:fillRef idx="0">
+            <a:schemeClr val="accent1"/>
+          </a:fillRef>
+          <a:effectRef idx="0">
+            <a:schemeClr val="accent1"/>
+          </a:effectRef>
+          <a:fontRef idx="minor">
+            <a:schemeClr val="tx1"/>
+          </a:fontRef>
+        </p:style>
+      </p:cxnSp>
+      <p:sp useBgFill="1">
+        <p:nvSpPr>
+          <p:cNvPr id="22" name="Rectangle 21">
+            <a:extLst>
+              <a:ext uri="{FF2B5EF4-FFF2-40B4-BE49-F238E27FC236}">
+                <a16:creationId xmlns:a16="http://schemas.microsoft.com/office/drawing/2014/main" id="{551580BD-7D80-4957-A58D-916E994AB787}"/>
+              </a:ext>
+              <a:ext uri="{C183D7F6-B498-43B3-948B-1728B52AA6E4}">
+                <adec:decorative xmlns:adec="http://schemas.microsoft.com/office/drawing/2017/decorative" val="1"/>
+              </a:ext>
+            </a:extLst>
+          </p:cNvPr>
+          <p:cNvSpPr>
+            <a:spLocks noGrp="1" noRot="1" noChangeAspect="1" noMove="1" noResize="1" noEditPoints="1" noAdjustHandles="1" noChangeArrowheads="1" noChangeShapeType="1" noTextEdit="1"/>
+          </p:cNvSpPr>
+          <p:nvPr>
+            <p:extLst>
+              <p:ext uri="{386F3935-93C4-4BCD-93E2-E3B085C9AB24}">
+                <p16:designElem xmlns:p16="http://schemas.microsoft.com/office/powerpoint/2015/main" val="1"/>
+              </p:ext>
+            </p:extLst>
+          </p:nvPr>
+        </p:nvSpPr>
+        <p:spPr>
+          <a:xfrm>
+            <a:off x="0" y="0"/>
+            <a:ext cx="12192000" cy="6858000"/>
+          </a:xfrm>
+          <a:prstGeom prst="rect">
+            <a:avLst/>
+          </a:prstGeom>
+          <a:ln w="12700" cap="flat" cmpd="sng" algn="ctr">
+            <a:noFill/>
+            <a:prstDash val="solid"/>
+            <a:miter lim="800000"/>
+          </a:ln>
+          <a:effectLst/>
+          <a:extLst>
+            <a:ext uri="{91240B29-F687-4F45-9708-019B960494DF}">
+              <a14:hiddenLine xmlns:a14="http://schemas.microsoft.com/office/drawing/2010/main" w="12700" cap="flat" cmpd="sng" algn="ctr">
+                <a:solidFill>
+                  <a:schemeClr val="accent1">
+                    <a:shade val="50000"/>
+                  </a:schemeClr>
+                </a:solidFill>
+                <a:prstDash val="solid"/>
+                <a:miter lim="800000"/>
+              </a14:hiddenLine>
+            </a:ext>
+          </a:extLst>
+        </p:spPr>
+        <p:style>
+          <a:lnRef idx="2">
+            <a:schemeClr val="accent1">
+              <a:shade val="50000"/>
+            </a:schemeClr>
+          </a:lnRef>
+          <a:fillRef idx="1">
+            <a:schemeClr val="accent1"/>
+          </a:fillRef>
+          <a:effectRef idx="0">
+            <a:schemeClr val="accent1"/>
+          </a:effectRef>
+          <a:fontRef idx="minor">
+            <a:schemeClr val="lt1"/>
+          </a:fontRef>
+        </p:style>
+        <p:txBody>
+          <a:bodyPr rtlCol="0" anchor="ctr"/>
+          <a:lstStyle/>
+          <a:p>
+            <a:pPr algn="ctr"/>
+            <a:endParaRPr lang="en-US"/>
+          </a:p>
+        </p:txBody>
+      </p:sp>
+      <p:pic>
+        <p:nvPicPr>
+          <p:cNvPr id="8" name="Picture 7" descr="Bees working on a honeycomb">
+            <a:extLst>
+              <a:ext uri="{FF2B5EF4-FFF2-40B4-BE49-F238E27FC236}">
+                <a16:creationId xmlns:a16="http://schemas.microsoft.com/office/drawing/2014/main" id="{239FD5D2-AC3C-46B6-B036-C1E2F35D9871}"/>
+              </a:ext>
+            </a:extLst>
+          </p:cNvPr>
+          <p:cNvPicPr>
+            <a:picLocks noChangeAspect="1"/>
+          </p:cNvPicPr>
+          <p:nvPr/>
+        </p:nvPicPr>
+        <p:blipFill rotWithShape="1">
+          <a:blip r:embed="rId2"/>
+          <a:srcRect b="22681"/>
+          <a:stretch/>
+        </p:blipFill>
+        <p:spPr>
+          <a:xfrm>
+            <a:off x="20" y="10"/>
+            <a:ext cx="12191979" cy="6857989"/>
+          </a:xfrm>
+          <a:prstGeom prst="rect">
+            <a:avLst/>
+          </a:prstGeom>
+        </p:spPr>
+      </p:pic>
+      <p:sp>
+        <p:nvSpPr>
+          <p:cNvPr id="24" name="Rectangle 23">
+            <a:extLst>
+              <a:ext uri="{FF2B5EF4-FFF2-40B4-BE49-F238E27FC236}">
+                <a16:creationId xmlns:a16="http://schemas.microsoft.com/office/drawing/2014/main" id="{DE478B8E-B09A-4F54-BAF6-88125E69902A}"/>
+              </a:ext>
+              <a:ext uri="{C183D7F6-B498-43B3-948B-1728B52AA6E4}">
+                <adec:decorative xmlns:adec="http://schemas.microsoft.com/office/drawing/2017/decorative" val="1"/>
+              </a:ext>
+            </a:extLst>
+          </p:cNvPr>
+          <p:cNvSpPr>
+            <a:spLocks noGrp="1" noRot="1" noChangeAspect="1" noMove="1" noResize="1" noEditPoints="1" noAdjustHandles="1" noChangeArrowheads="1" noChangeShapeType="1" noTextEdit="1"/>
+          </p:cNvSpPr>
+          <p:nvPr>
+            <p:extLst>
+              <p:ext uri="{386F3935-93C4-4BCD-93E2-E3B085C9AB24}">
+                <p16:designElem xmlns:p16="http://schemas.microsoft.com/office/powerpoint/2015/main" val="1"/>
+              </p:ext>
+            </p:extLst>
+          </p:nvPr>
+        </p:nvSpPr>
+        <p:spPr>
+          <a:xfrm rot="5400000">
+            <a:off x="4642513" y="-691487"/>
+            <a:ext cx="6858000" cy="8240972"/>
+          </a:xfrm>
+          <a:prstGeom prst="rect">
+            <a:avLst/>
+          </a:prstGeom>
+          <a:gradFill>
+            <a:gsLst>
+              <a:gs pos="100000">
+                <a:srgbClr val="000000">
+                  <a:alpha val="0"/>
+                </a:srgbClr>
+              </a:gs>
+              <a:gs pos="0">
+                <a:schemeClr val="tx1"/>
+              </a:gs>
+              <a:gs pos="0">
+                <a:srgbClr val="000000">
+                  <a:alpha val="25000"/>
+                </a:srgbClr>
+              </a:gs>
+            </a:gsLst>
+            <a:lin ang="5400000" scaled="1"/>
+          </a:gradFill>
+          <a:ln>
+            <a:noFill/>
+          </a:ln>
+        </p:spPr>
+        <p:style>
+          <a:lnRef idx="2">
+            <a:schemeClr val="accent1">
+              <a:shade val="50000"/>
+            </a:schemeClr>
+          </a:lnRef>
+          <a:fillRef idx="1">
+            <a:schemeClr val="accent1"/>
+          </a:fillRef>
+          <a:effectRef idx="0">
+            <a:schemeClr val="accent1"/>
+          </a:effectRef>
+          <a:fontRef idx="minor">
+            <a:schemeClr val="lt1"/>
+          </a:fontRef>
+        </p:style>
+        <p:txBody>
+          <a:bodyPr rtlCol="0" anchor="ctr"/>
+          <a:lstStyle/>
+          <a:p>
+            <a:pPr algn="ctr"/>
+            <a:endParaRPr lang="en-US"/>
+          </a:p>
+        </p:txBody>
+      </p:sp>
+      <p:sp>
+        <p:nvSpPr>
+          <p:cNvPr id="26" name="Rectangle 25">
+            <a:extLst>
+              <a:ext uri="{FF2B5EF4-FFF2-40B4-BE49-F238E27FC236}">
+                <a16:creationId xmlns:a16="http://schemas.microsoft.com/office/drawing/2014/main" id="{CB59DE95-F3B9-4A35-9681-78FA926F024B}"/>
+              </a:ext>
+              <a:ext uri="{C183D7F6-B498-43B3-948B-1728B52AA6E4}">
+                <adec:decorative xmlns:adec="http://schemas.microsoft.com/office/drawing/2017/decorative" val="1"/>
+              </a:ext>
+            </a:extLst>
+          </p:cNvPr>
+          <p:cNvSpPr>
+            <a:spLocks noGrp="1" noRot="1" noChangeAspect="1" noMove="1" noResize="1" noEditPoints="1" noAdjustHandles="1" noChangeArrowheads="1" noChangeShapeType="1" noTextEdit="1"/>
+          </p:cNvSpPr>
+          <p:nvPr>
+            <p:extLst>
+              <p:ext uri="{386F3935-93C4-4BCD-93E2-E3B085C9AB24}">
+                <p16:designElem xmlns:p16="http://schemas.microsoft.com/office/powerpoint/2015/main" val="1"/>
+              </p:ext>
+            </p:extLst>
+          </p:nvPr>
+        </p:nvSpPr>
+        <p:spPr>
+          <a:xfrm>
+            <a:off x="7277099" y="334926"/>
+            <a:ext cx="4547155" cy="6188148"/>
+          </a:xfrm>
+          <a:prstGeom prst="rect">
+            <a:avLst/>
+          </a:prstGeom>
+          <a:noFill/>
+          <a:ln>
+            <a:solidFill>
+              <a:srgbClr val="FFFFFF"/>
+            </a:solidFill>
+          </a:ln>
+          <a:effectLst>
+            <a:outerShdw blurRad="38100" dist="12700" dir="2700000" algn="tl" rotWithShape="0">
+              <a:prstClr val="black">
+                <a:alpha val="40000"/>
+              </a:prstClr>
+            </a:outerShdw>
+          </a:effectLst>
+        </p:spPr>
+        <p:style>
+          <a:lnRef idx="2">
+            <a:schemeClr val="accent1">
+              <a:shade val="50000"/>
+            </a:schemeClr>
+          </a:lnRef>
+          <a:fillRef idx="1">
+            <a:schemeClr val="accent1"/>
+          </a:fillRef>
+          <a:effectRef idx="0">
+            <a:schemeClr val="accent1"/>
+          </a:effectRef>
+          <a:fontRef idx="minor">
+            <a:schemeClr val="lt1"/>
+          </a:fontRef>
+        </p:style>
+        <p:txBody>
+          <a:bodyPr rtlCol="0" anchor="ctr"/>
+          <a:lstStyle/>
+          <a:p>
+            <a:pPr algn="ctr"/>
+            <a:endParaRPr lang="en-US"/>
+          </a:p>
+        </p:txBody>
+      </p:sp>
+      <p:sp>
+        <p:nvSpPr>
+          <p:cNvPr id="2" name="Title 1">
+            <a:extLst>
+              <a:ext uri="{FF2B5EF4-FFF2-40B4-BE49-F238E27FC236}">
+                <a16:creationId xmlns:a16="http://schemas.microsoft.com/office/drawing/2014/main" id="{33E374B3-76EC-4B4C-A132-258F4ACCBF58}"/>
+              </a:ext>
+            </a:extLst>
+          </p:cNvPr>
+          <p:cNvSpPr>
+            <a:spLocks noGrp="1"/>
+          </p:cNvSpPr>
+          <p:nvPr>
+            <p:ph type="title"/>
+          </p:nvPr>
+        </p:nvSpPr>
+        <p:spPr>
+          <a:xfrm>
+            <a:off x="7580671" y="723672"/>
+            <a:ext cx="2915296" cy="3884668"/>
+          </a:xfrm>
+        </p:spPr>
+        <p:txBody>
+          <a:bodyPr vert="horz" lIns="91440" tIns="45720" rIns="91440" bIns="45720" rtlCol="0" anchor="t">
+            <a:normAutofit/>
+          </a:bodyPr>
+          <a:lstStyle/>
+          <a:p>
+            <a:r>
+              <a:rPr lang="en-US" dirty="0">
+                <a:solidFill>
+                  <a:srgbClr val="FFFFFF"/>
+                </a:solidFill>
+              </a:rPr>
+              <a:t>Is it a swarm of bees?</a:t>
+            </a:r>
+          </a:p>
+        </p:txBody>
+      </p:sp>
+      <p:cxnSp>
+        <p:nvCxnSpPr>
+          <p:cNvPr id="28" name="Straight Connector 27">
+            <a:extLst>
+              <a:ext uri="{FF2B5EF4-FFF2-40B4-BE49-F238E27FC236}">
+                <a16:creationId xmlns:a16="http://schemas.microsoft.com/office/drawing/2014/main" id="{5E687E3B-9C6D-4102-8F38-DCB77C49C6FD}"/>
+              </a:ext>
+              <a:ext uri="{C183D7F6-B498-43B3-948B-1728B52AA6E4}">
+                <adec:decorative xmlns:adec="http://schemas.microsoft.com/office/drawing/2017/decorative" val="1"/>
+              </a:ext>
+            </a:extLst>
+          </p:cNvPr>
+          <p:cNvCxnSpPr>
+            <a:cxnSpLocks noGrp="1" noRot="1" noChangeAspect="1" noMove="1" noResize="1" noEditPoints="1" noAdjustHandles="1" noChangeArrowheads="1" noChangeShapeType="1"/>
+          </p:cNvCxnSpPr>
+          <p:nvPr>
+            <p:extLst>
+              <p:ext uri="{386F3935-93C4-4BCD-93E2-E3B085C9AB24}">
+                <p16:designElem xmlns:p16="http://schemas.microsoft.com/office/powerpoint/2015/main" val="1"/>
+              </p:ext>
+            </p:extLst>
+          </p:nvPr>
+        </p:nvCxnSpPr>
+        <p:spPr>
+          <a:xfrm>
+            <a:off x="10748698" y="334926"/>
+            <a:ext cx="0" cy="6188148"/>
+          </a:xfrm>
+          <a:prstGeom prst="line">
+            <a:avLst/>
+          </a:prstGeom>
+          <a:ln w="12700">
+            <a:solidFill>
+              <a:srgbClr val="FFFFFF"/>
+            </a:solidFill>
+          </a:ln>
+          <a:effectLst>
+            <a:outerShdw blurRad="38100" dist="12700" dir="2700000" algn="tl" rotWithShape="0">
+              <a:prstClr val="black">
+                <a:alpha val="40000"/>
+              </a:prstClr>
+            </a:outerShdw>
+          </a:effectLst>
+        </p:spPr>
+        <p:style>
+          <a:lnRef idx="1">
+            <a:schemeClr val="accent1"/>
+          </a:lnRef>
+          <a:fillRef idx="0">
+            <a:schemeClr val="accent1"/>
+          </a:fillRef>
+          <a:effectRef idx="0">
+            <a:schemeClr val="accent1"/>
+          </a:effectRef>
+          <a:fontRef idx="minor">
+            <a:schemeClr val="tx1"/>
+          </a:fontRef>
+        </p:style>
+      </p:cxnSp>
+      <p:cxnSp>
+        <p:nvCxnSpPr>
+          <p:cNvPr id="30" name="Straight Connector 29">
+            <a:extLst>
+              <a:ext uri="{FF2B5EF4-FFF2-40B4-BE49-F238E27FC236}">
+                <a16:creationId xmlns:a16="http://schemas.microsoft.com/office/drawing/2014/main" id="{8FD2391C-602E-4522-B790-1F85883AF5F1}"/>
+              </a:ext>
+              <a:ext uri="{C183D7F6-B498-43B3-948B-1728B52AA6E4}">
+                <adec:decorative xmlns:adec="http://schemas.microsoft.com/office/drawing/2017/decorative" val="1"/>
+              </a:ext>
+            </a:extLst>
+          </p:cNvPr>
+          <p:cNvCxnSpPr>
+            <a:cxnSpLocks noGrp="1" noRot="1" noChangeAspect="1" noMove="1" noResize="1" noEditPoints="1" noAdjustHandles="1" noChangeArrowheads="1" noChangeShapeType="1"/>
+          </p:cNvCxnSpPr>
+          <p:nvPr>
+            <p:extLst>
+              <p:ext uri="{386F3935-93C4-4BCD-93E2-E3B085C9AB24}">
+                <p16:designElem xmlns:p16="http://schemas.microsoft.com/office/powerpoint/2015/main" val="1"/>
+              </p:ext>
+            </p:extLst>
+          </p:nvPr>
+        </p:nvCxnSpPr>
+        <p:spPr>
+          <a:xfrm>
+            <a:off x="7277100" y="4991100"/>
+            <a:ext cx="3471597" cy="0"/>
+          </a:xfrm>
+          <a:prstGeom prst="line">
+            <a:avLst/>
+          </a:prstGeom>
+          <a:ln w="12700">
+            <a:solidFill>
+              <a:srgbClr val="FFFFFF"/>
+            </a:solidFill>
+          </a:ln>
+          <a:effectLst>
+            <a:outerShdw blurRad="38100" dist="12700" dir="2700000" algn="tl" rotWithShape="0">
+              <a:prstClr val="black">
+                <a:alpha val="40000"/>
+              </a:prstClr>
+            </a:outerShdw>
+          </a:effectLst>
+        </p:spPr>
+        <p:style>
+          <a:lnRef idx="1">
+            <a:schemeClr val="accent1"/>
+          </a:lnRef>
+          <a:fillRef idx="0">
+            <a:schemeClr val="accent1"/>
+          </a:fillRef>
+          <a:effectRef idx="0">
+            <a:schemeClr val="accent1"/>
+          </a:effectRef>
+          <a:fontRef idx="minor">
+            <a:schemeClr val="tx1"/>
+          </a:fontRef>
+        </p:style>
+      </p:cxnSp>
+      <p:cxnSp>
+        <p:nvCxnSpPr>
+          <p:cNvPr id="32" name="Straight Connector 31">
+            <a:extLst>
+              <a:ext uri="{FF2B5EF4-FFF2-40B4-BE49-F238E27FC236}">
+                <a16:creationId xmlns:a16="http://schemas.microsoft.com/office/drawing/2014/main" id="{573C7C39-C73B-4051-B742-C9086B7BE3EC}"/>
+              </a:ext>
+              <a:ext uri="{C183D7F6-B498-43B3-948B-1728B52AA6E4}">
+                <adec:decorative xmlns:adec="http://schemas.microsoft.com/office/drawing/2017/decorative" val="1"/>
+              </a:ext>
+            </a:extLst>
+          </p:cNvPr>
+          <p:cNvCxnSpPr>
+            <a:cxnSpLocks noGrp="1" noRot="1" noChangeAspect="1" noMove="1" noResize="1" noEditPoints="1" noAdjustHandles="1" noChangeArrowheads="1" noChangeShapeType="1"/>
+          </p:cNvCxnSpPr>
+          <p:nvPr>
+            <p:extLst>
+              <p:ext uri="{386F3935-93C4-4BCD-93E2-E3B085C9AB24}">
+                <p16:designElem xmlns:p16="http://schemas.microsoft.com/office/powerpoint/2015/main" val="1"/>
+              </p:ext>
+            </p:extLst>
+          </p:nvPr>
+        </p:nvCxnSpPr>
+        <p:spPr>
+          <a:xfrm>
+            <a:off x="7277100" y="6047437"/>
+            <a:ext cx="3471598" cy="0"/>
+          </a:xfrm>
+          <a:prstGeom prst="line">
+            <a:avLst/>
+          </a:prstGeom>
+          <a:ln w="12700">
+            <a:solidFill>
+              <a:srgbClr val="FFFFFF"/>
+            </a:solidFill>
+          </a:ln>
+          <a:effectLst>
+            <a:outerShdw blurRad="38100" dist="12700" dir="2700000" algn="tl" rotWithShape="0">
+              <a:prstClr val="black">
+                <a:alpha val="40000"/>
+              </a:prstClr>
+            </a:outerShdw>
+          </a:effectLst>
+        </p:spPr>
+        <p:style>
+          <a:lnRef idx="1">
+            <a:schemeClr val="accent1"/>
+          </a:lnRef>
+          <a:fillRef idx="0">
+            <a:schemeClr val="accent1"/>
+          </a:fillRef>
+          <a:effectRef idx="0">
+            <a:schemeClr val="accent1"/>
+          </a:effectRef>
+          <a:fontRef idx="minor">
+            <a:schemeClr val="tx1"/>
+          </a:fontRef>
+        </p:style>
+      </p:cxnSp>
+      <p:sp>
+        <p:nvSpPr>
+          <p:cNvPr id="4" name="Date Placeholder 3">
+            <a:extLst>
+              <a:ext uri="{FF2B5EF4-FFF2-40B4-BE49-F238E27FC236}">
+                <a16:creationId xmlns:a16="http://schemas.microsoft.com/office/drawing/2014/main" id="{29D207B2-0A77-4068-8118-82C1F0942FDE}"/>
+              </a:ext>
+            </a:extLst>
+          </p:cNvPr>
+          <p:cNvSpPr>
+            <a:spLocks noGrp="1"/>
+          </p:cNvSpPr>
+          <p:nvPr>
+            <p:ph type="dt" sz="half" idx="10"/>
+          </p:nvPr>
+        </p:nvSpPr>
+        <p:spPr>
+          <a:xfrm>
+            <a:off x="7488520" y="6140304"/>
+            <a:ext cx="3101810" cy="287075"/>
+          </a:xfrm>
+        </p:spPr>
+        <p:txBody>
+          <a:bodyPr vert="horz" lIns="91440" tIns="45720" rIns="91440" bIns="45720" rtlCol="0" anchor="ctr">
+            <a:normAutofit/>
+          </a:bodyPr>
+          <a:lstStyle/>
+          <a:p>
+            <a:pPr>
+              <a:spcAft>
+                <a:spcPts val="600"/>
+              </a:spcAft>
+            </a:pPr>
+            <a:fld id="{BE0A88F0-556B-4BB7-8AAB-D63AEB65C662}" type="datetime1">
+              <a:rPr lang="en-US">
+                <a:solidFill>
+                  <a:srgbClr val="FFFFFF"/>
+                </a:solidFill>
+              </a:rPr>
+              <a:pPr>
+                <a:spcAft>
+                  <a:spcPts val="600"/>
+                </a:spcAft>
+              </a:pPr>
+              <a:t>10/30/2021</a:t>
+            </a:fld>
+            <a:endParaRPr lang="en-US">
+              <a:solidFill>
+                <a:srgbClr val="FFFFFF"/>
+              </a:solidFill>
+            </a:endParaRPr>
+          </a:p>
+        </p:txBody>
+      </p:sp>
+      <p:sp>
+        <p:nvSpPr>
+          <p:cNvPr id="6" name="Slide Number Placeholder 5">
+            <a:extLst>
+              <a:ext uri="{FF2B5EF4-FFF2-40B4-BE49-F238E27FC236}">
+                <a16:creationId xmlns:a16="http://schemas.microsoft.com/office/drawing/2014/main" id="{122EBBA2-EC2B-45BA-91D0-DF88432A038C}"/>
+              </a:ext>
+            </a:extLst>
+          </p:cNvPr>
+          <p:cNvSpPr>
+            <a:spLocks noGrp="1"/>
+          </p:cNvSpPr>
+          <p:nvPr>
+            <p:ph type="sldNum" sz="quarter" idx="12"/>
+          </p:nvPr>
+        </p:nvSpPr>
+        <p:spPr>
+          <a:xfrm>
+            <a:off x="10821701" y="5672706"/>
+            <a:ext cx="951908" cy="754673"/>
+          </a:xfrm>
+        </p:spPr>
+        <p:txBody>
+          <a:bodyPr vert="horz" lIns="91440" tIns="45720" rIns="91440" bIns="45720" rtlCol="0" anchor="ctr">
+            <a:normAutofit/>
+          </a:bodyPr>
+          <a:lstStyle/>
+          <a:p>
+            <a:pPr>
+              <a:spcAft>
+                <a:spcPts val="600"/>
+              </a:spcAft>
+            </a:pPr>
+            <a:fld id="{81D2C36F-4504-47C0-B82F-A167342A2754}" type="slidenum">
+              <a:rPr lang="en-US">
+                <a:solidFill>
+                  <a:srgbClr val="FFFFFF"/>
+                </a:solidFill>
+              </a:rPr>
+              <a:pPr>
+                <a:spcAft>
+                  <a:spcPts val="600"/>
+                </a:spcAft>
+              </a:pPr>
+              <a:t>5</a:t>
+            </a:fld>
+            <a:endParaRPr lang="en-US">
+              <a:solidFill>
+                <a:srgbClr val="FFFFFF"/>
+              </a:solidFill>
+            </a:endParaRPr>
+          </a:p>
+        </p:txBody>
+      </p:sp>
+    </p:spTree>
+    <p:extLst>
+      <p:ext uri="{BB962C8B-B14F-4D97-AF65-F5344CB8AC3E}">
+        <p14:creationId xmlns:p14="http://schemas.microsoft.com/office/powerpoint/2010/main" val="2501062849"/>
       </p:ext>
     </p:extLst>
   </p:cSld>
